--- a/Lab_5_1/vivado_lab5_1_Simple_Driver_Module_Program_Exercise.pptx
+++ b/Lab_5_1/vivado_lab5_1_Simple_Driver_Module_Program_Exercise.pptx
@@ -205,7 +205,7 @@
           <a:p>
             <a:fld id="{CE109047-AA94-4765-BB78-0173393F5DAE}" type="datetimeFigureOut">
               <a:rPr lang="zh-TW" altLang="en-US" smtClean="0"/>
-              <a:t>2019/6/18</a:t>
+              <a:t>2019/6/19</a:t>
             </a:fld>
             <a:endParaRPr lang="zh-TW" altLang="en-US"/>
           </a:p>
@@ -620,7 +620,7 @@
           <a:p>
             <a:fld id="{9CC5B424-288B-4337-9F80-84337103EB4C}" type="datetimeFigureOut">
               <a:rPr lang="zh-TW" altLang="en-US" smtClean="0"/>
-              <a:t>2019/6/18</a:t>
+              <a:t>2019/6/19</a:t>
             </a:fld>
             <a:endParaRPr lang="zh-TW" altLang="en-US"/>
           </a:p>
@@ -818,7 +818,7 @@
           <a:p>
             <a:fld id="{9CC5B424-288B-4337-9F80-84337103EB4C}" type="datetimeFigureOut">
               <a:rPr lang="zh-TW" altLang="en-US" smtClean="0"/>
-              <a:t>2019/6/18</a:t>
+              <a:t>2019/6/19</a:t>
             </a:fld>
             <a:endParaRPr lang="zh-TW" altLang="en-US"/>
           </a:p>
@@ -1026,7 +1026,7 @@
           <a:p>
             <a:fld id="{9CC5B424-288B-4337-9F80-84337103EB4C}" type="datetimeFigureOut">
               <a:rPr lang="zh-TW" altLang="en-US" smtClean="0"/>
-              <a:t>2019/6/18</a:t>
+              <a:t>2019/6/19</a:t>
             </a:fld>
             <a:endParaRPr lang="zh-TW" altLang="en-US"/>
           </a:p>
@@ -1224,7 +1224,7 @@
           <a:p>
             <a:fld id="{9CC5B424-288B-4337-9F80-84337103EB4C}" type="datetimeFigureOut">
               <a:rPr lang="zh-TW" altLang="en-US" smtClean="0"/>
-              <a:t>2019/6/18</a:t>
+              <a:t>2019/6/19</a:t>
             </a:fld>
             <a:endParaRPr lang="zh-TW" altLang="en-US"/>
           </a:p>
@@ -1499,7 +1499,7 @@
           <a:p>
             <a:fld id="{9CC5B424-288B-4337-9F80-84337103EB4C}" type="datetimeFigureOut">
               <a:rPr lang="zh-TW" altLang="en-US" smtClean="0"/>
-              <a:t>2019/6/18</a:t>
+              <a:t>2019/6/19</a:t>
             </a:fld>
             <a:endParaRPr lang="zh-TW" altLang="en-US"/>
           </a:p>
@@ -1764,7 +1764,7 @@
           <a:p>
             <a:fld id="{9CC5B424-288B-4337-9F80-84337103EB4C}" type="datetimeFigureOut">
               <a:rPr lang="zh-TW" altLang="en-US" smtClean="0"/>
-              <a:t>2019/6/18</a:t>
+              <a:t>2019/6/19</a:t>
             </a:fld>
             <a:endParaRPr lang="zh-TW" altLang="en-US"/>
           </a:p>
@@ -2176,7 +2176,7 @@
           <a:p>
             <a:fld id="{9CC5B424-288B-4337-9F80-84337103EB4C}" type="datetimeFigureOut">
               <a:rPr lang="zh-TW" altLang="en-US" smtClean="0"/>
-              <a:t>2019/6/18</a:t>
+              <a:t>2019/6/19</a:t>
             </a:fld>
             <a:endParaRPr lang="zh-TW" altLang="en-US"/>
           </a:p>
@@ -2317,7 +2317,7 @@
           <a:p>
             <a:fld id="{9CC5B424-288B-4337-9F80-84337103EB4C}" type="datetimeFigureOut">
               <a:rPr lang="zh-TW" altLang="en-US" smtClean="0"/>
-              <a:t>2019/6/18</a:t>
+              <a:t>2019/6/19</a:t>
             </a:fld>
             <a:endParaRPr lang="zh-TW" altLang="en-US"/>
           </a:p>
@@ -2430,7 +2430,7 @@
           <a:p>
             <a:fld id="{9CC5B424-288B-4337-9F80-84337103EB4C}" type="datetimeFigureOut">
               <a:rPr lang="zh-TW" altLang="en-US" smtClean="0"/>
-              <a:t>2019/6/18</a:t>
+              <a:t>2019/6/19</a:t>
             </a:fld>
             <a:endParaRPr lang="zh-TW" altLang="en-US"/>
           </a:p>
@@ -2741,7 +2741,7 @@
           <a:p>
             <a:fld id="{9CC5B424-288B-4337-9F80-84337103EB4C}" type="datetimeFigureOut">
               <a:rPr lang="zh-TW" altLang="en-US" smtClean="0"/>
-              <a:t>2019/6/18</a:t>
+              <a:t>2019/6/19</a:t>
             </a:fld>
             <a:endParaRPr lang="zh-TW" altLang="en-US"/>
           </a:p>
@@ -3029,7 +3029,7 @@
           <a:p>
             <a:fld id="{9CC5B424-288B-4337-9F80-84337103EB4C}" type="datetimeFigureOut">
               <a:rPr lang="zh-TW" altLang="en-US" smtClean="0"/>
-              <a:t>2019/6/18</a:t>
+              <a:t>2019/6/19</a:t>
             </a:fld>
             <a:endParaRPr lang="zh-TW" altLang="en-US"/>
           </a:p>
@@ -3270,7 +3270,7 @@
           <a:p>
             <a:fld id="{9CC5B424-288B-4337-9F80-84337103EB4C}" type="datetimeFigureOut">
               <a:rPr lang="zh-TW" altLang="en-US" smtClean="0"/>
-              <a:t>2019/6/18</a:t>
+              <a:t>2019/6/19</a:t>
             </a:fld>
             <a:endParaRPr lang="zh-TW" altLang="en-US"/>
           </a:p>
@@ -3893,7 +3893,6 @@
               <a:rPr lang="en-US" altLang="zh-TW" sz="2800" dirty="0" smtClean="0"/>
               <a:t>lab5-1</a:t>
             </a:r>
-            <a:endParaRPr lang="en-US" altLang="zh-TW" sz="2800" dirty="0" smtClean="0"/>
           </a:p>
           <a:p>
             <a:r>
@@ -5287,42 +5286,31 @@
           </a:p>
           <a:p>
             <a:r>
+              <a:rPr lang="en-US" altLang="zh-TW" dirty="0" smtClean="0"/>
+              <a:t>cd /</a:t>
+            </a:r>
+            <a:r>
               <a:rPr lang="en-US" altLang="zh-TW" dirty="0"/>
-              <a:t>cd /</a:t>
+              <a:t>lib/modules/$(</a:t>
+            </a:r>
+            <a:r>
+              <a:rPr lang="en-US" altLang="zh-TW" dirty="0" err="1"/>
+              <a:t>uname</a:t>
+            </a:r>
+            <a:r>
+              <a:rPr lang="en-US" altLang="zh-TW" dirty="0"/>
+              <a:t> -r</a:t>
             </a:r>
             <a:r>
               <a:rPr lang="en-US" altLang="zh-TW" dirty="0" smtClean="0"/>
-              <a:t>lib/modules/</a:t>
-            </a:r>
-          </a:p>
-          <a:p>
-            <a:r>
-              <a:rPr lang="en-US" altLang="zh-TW" dirty="0"/>
-              <a:t>l</a:t>
-            </a:r>
-            <a:r>
-              <a:rPr lang="en-US" altLang="zh-TW" dirty="0" smtClean="0"/>
-              <a:t>s</a:t>
-            </a:r>
-          </a:p>
-          <a:p>
-            <a:r>
-              <a:rPr lang="en-US" altLang="zh-TW" dirty="0"/>
-              <a:t>c</a:t>
-            </a:r>
-            <a:r>
-              <a:rPr lang="en-US" altLang="zh-TW" dirty="0" smtClean="0"/>
-              <a:t>d 4.9.0-xilinx-dirty/</a:t>
-            </a:r>
-          </a:p>
-          <a:p>
-            <a:r>
-              <a:rPr lang="en-US" altLang="zh-TW" dirty="0" err="1"/>
-              <a:t>c</a:t>
-            </a:r>
+              <a:t>)</a:t>
+            </a:r>
+            <a:endParaRPr lang="en-US" altLang="zh-TW" dirty="0" smtClean="0"/>
+          </a:p>
+          <a:p>
             <a:r>
               <a:rPr lang="en-US" altLang="zh-TW" dirty="0" err="1" smtClean="0"/>
-              <a:t>p</a:t>
+              <a:t>cp</a:t>
             </a:r>
             <a:r>
               <a:rPr lang="en-US" altLang="zh-TW" dirty="0" smtClean="0"/>
@@ -5347,13 +5335,10 @@
           </a:p>
           <a:p>
             <a:r>
-              <a:rPr lang="en-US" altLang="zh-TW" dirty="0"/>
-              <a:t>l</a:t>
-            </a:r>
-            <a:r>
               <a:rPr lang="en-US" altLang="zh-TW" dirty="0" smtClean="0"/>
-              <a:t>s</a:t>
-            </a:r>
+              <a:t>ls</a:t>
+            </a:r>
+            <a:endParaRPr lang="en-US" altLang="zh-TW" dirty="0" smtClean="0"/>
           </a:p>
           <a:p>
             <a:pPr marL="0" indent="0">
